--- a/vince_mckeown/Adventure/documentation/Pitch.pptx
+++ b/vince_mckeown/Adventure/documentation/Pitch.pptx
@@ -308,7 +308,7 @@
           <a:p>
             <a:fld id="{4710969A-8FFC-4E3F-8A8A-4D4AF92BD055}" type="datetimeFigureOut">
               <a:rPr lang="en-US" smtClean="0"/>
-              <a:t>10/19/2019</a:t>
+              <a:t>10/20/2019</a:t>
             </a:fld>
             <a:endParaRPr lang="en-US"/>
           </a:p>
@@ -646,7 +646,7 @@
           <a:p>
             <a:fld id="{4710969A-8FFC-4E3F-8A8A-4D4AF92BD055}" type="datetimeFigureOut">
               <a:rPr lang="en-US" smtClean="0"/>
-              <a:t>10/19/2019</a:t>
+              <a:t>10/20/2019</a:t>
             </a:fld>
             <a:endParaRPr lang="en-US"/>
           </a:p>
@@ -1047,7 +1047,7 @@
           <a:p>
             <a:fld id="{4710969A-8FFC-4E3F-8A8A-4D4AF92BD055}" type="datetimeFigureOut">
               <a:rPr lang="en-US" smtClean="0"/>
-              <a:t>10/19/2019</a:t>
+              <a:t>10/20/2019</a:t>
             </a:fld>
             <a:endParaRPr lang="en-US"/>
           </a:p>
@@ -1383,7 +1383,7 @@
           <a:p>
             <a:fld id="{4710969A-8FFC-4E3F-8A8A-4D4AF92BD055}" type="datetimeFigureOut">
               <a:rPr lang="en-US" smtClean="0"/>
-              <a:t>10/19/2019</a:t>
+              <a:t>10/20/2019</a:t>
             </a:fld>
             <a:endParaRPr lang="en-US"/>
           </a:p>
@@ -1703,7 +1703,7 @@
           <a:p>
             <a:fld id="{4710969A-8FFC-4E3F-8A8A-4D4AF92BD055}" type="datetimeFigureOut">
               <a:rPr lang="en-US" smtClean="0"/>
-              <a:t>10/19/2019</a:t>
+              <a:t>10/20/2019</a:t>
             </a:fld>
             <a:endParaRPr lang="en-US"/>
           </a:p>
@@ -2099,7 +2099,7 @@
           <a:p>
             <a:fld id="{4710969A-8FFC-4E3F-8A8A-4D4AF92BD055}" type="datetimeFigureOut">
               <a:rPr lang="en-US" smtClean="0"/>
-              <a:t>10/19/2019</a:t>
+              <a:t>10/20/2019</a:t>
             </a:fld>
             <a:endParaRPr lang="en-US"/>
           </a:p>
@@ -2356,7 +2356,7 @@
           <a:p>
             <a:fld id="{4710969A-8FFC-4E3F-8A8A-4D4AF92BD055}" type="datetimeFigureOut">
               <a:rPr lang="en-US" smtClean="0"/>
-              <a:t>10/19/2019</a:t>
+              <a:t>10/20/2019</a:t>
             </a:fld>
             <a:endParaRPr lang="en-US"/>
           </a:p>
@@ -2618,7 +2618,7 @@
           <a:p>
             <a:fld id="{4710969A-8FFC-4E3F-8A8A-4D4AF92BD055}" type="datetimeFigureOut">
               <a:rPr lang="en-US" smtClean="0"/>
-              <a:t>10/19/2019</a:t>
+              <a:t>10/20/2019</a:t>
             </a:fld>
             <a:endParaRPr lang="en-US"/>
           </a:p>
@@ -2880,7 +2880,7 @@
           <a:p>
             <a:fld id="{4710969A-8FFC-4E3F-8A8A-4D4AF92BD055}" type="datetimeFigureOut">
               <a:rPr lang="en-US" smtClean="0"/>
-              <a:t>10/19/2019</a:t>
+              <a:t>10/20/2019</a:t>
             </a:fld>
             <a:endParaRPr lang="en-US"/>
           </a:p>
@@ -3209,7 +3209,7 @@
           <a:p>
             <a:fld id="{4710969A-8FFC-4E3F-8A8A-4D4AF92BD055}" type="datetimeFigureOut">
               <a:rPr lang="en-US" smtClean="0"/>
-              <a:t>10/19/2019</a:t>
+              <a:t>10/20/2019</a:t>
             </a:fld>
             <a:endParaRPr lang="en-US"/>
           </a:p>
@@ -3532,7 +3532,7 @@
           <a:p>
             <a:fld id="{4710969A-8FFC-4E3F-8A8A-4D4AF92BD055}" type="datetimeFigureOut">
               <a:rPr lang="en-US" smtClean="0"/>
-              <a:t>10/19/2019</a:t>
+              <a:t>10/20/2019</a:t>
             </a:fld>
             <a:endParaRPr lang="en-US"/>
           </a:p>
@@ -3989,7 +3989,7 @@
           <a:p>
             <a:fld id="{4710969A-8FFC-4E3F-8A8A-4D4AF92BD055}" type="datetimeFigureOut">
               <a:rPr lang="en-US" smtClean="0"/>
-              <a:t>10/19/2019</a:t>
+              <a:t>10/20/2019</a:t>
             </a:fld>
             <a:endParaRPr lang="en-US"/>
           </a:p>
@@ -4194,7 +4194,7 @@
           <a:p>
             <a:fld id="{4710969A-8FFC-4E3F-8A8A-4D4AF92BD055}" type="datetimeFigureOut">
               <a:rPr lang="en-US" smtClean="0"/>
-              <a:t>10/19/2019</a:t>
+              <a:t>10/20/2019</a:t>
             </a:fld>
             <a:endParaRPr lang="en-US"/>
           </a:p>
@@ -4371,7 +4371,7 @@
           <a:p>
             <a:fld id="{4710969A-8FFC-4E3F-8A8A-4D4AF92BD055}" type="datetimeFigureOut">
               <a:rPr lang="en-US" smtClean="0"/>
-              <a:t>10/19/2019</a:t>
+              <a:t>10/20/2019</a:t>
             </a:fld>
             <a:endParaRPr lang="en-US"/>
           </a:p>
@@ -4704,7 +4704,7 @@
           <a:p>
             <a:fld id="{4710969A-8FFC-4E3F-8A8A-4D4AF92BD055}" type="datetimeFigureOut">
               <a:rPr lang="en-US" smtClean="0"/>
-              <a:t>10/19/2019</a:t>
+              <a:t>10/20/2019</a:t>
             </a:fld>
             <a:endParaRPr lang="en-US"/>
           </a:p>
@@ -5049,7 +5049,7 @@
           <a:p>
             <a:fld id="{4710969A-8FFC-4E3F-8A8A-4D4AF92BD055}" type="datetimeFigureOut">
               <a:rPr lang="en-US" smtClean="0"/>
-              <a:t>10/19/2019</a:t>
+              <a:t>10/20/2019</a:t>
             </a:fld>
             <a:endParaRPr lang="en-US"/>
           </a:p>
@@ -7166,7 +7166,7 @@
           <a:p>
             <a:fld id="{4710969A-8FFC-4E3F-8A8A-4D4AF92BD055}" type="datetimeFigureOut">
               <a:rPr lang="en-US" smtClean="0"/>
-              <a:t>10/19/2019</a:t>
+              <a:t>10/20/2019</a:t>
             </a:fld>
             <a:endParaRPr lang="en-US"/>
           </a:p>
@@ -7747,14 +7747,24 @@
               <a:t>Pitch Date:  </a:t>
             </a:r>
             <a:r>
-              <a:rPr lang="en-US" dirty="0" smtClean="0">
+              <a:rPr lang="en-US" smtClean="0">
                 <a:solidFill>
                   <a:schemeClr val="bg1">
                     <a:lumMod val="50000"/>
                   </a:schemeClr>
                 </a:solidFill>
               </a:rPr>
-              <a:t>October 19 </a:t>
+              <a:t>October </a:t>
+            </a:r>
+            <a:r>
+              <a:rPr lang="en-US" smtClean="0">
+                <a:solidFill>
+                  <a:schemeClr val="bg1">
+                    <a:lumMod val="50000"/>
+                  </a:schemeClr>
+                </a:solidFill>
+              </a:rPr>
+              <a:t>20 </a:t>
             </a:r>
             <a:r>
               <a:rPr lang="en-US" dirty="0" smtClean="0">
@@ -7776,25 +7786,8 @@
                   </a:schemeClr>
                 </a:solidFill>
               </a:rPr>
-              <a:t>Release Date:  </a:t>
-            </a:r>
-            <a:r>
-              <a:rPr lang="en-US" dirty="0" smtClean="0">
-                <a:solidFill>
-                  <a:schemeClr val="bg1">
-                    <a:lumMod val="50000"/>
-                  </a:schemeClr>
-                </a:solidFill>
-              </a:rPr>
-              <a:t>February 9, 2020</a:t>
-            </a:r>
-            <a:endParaRPr lang="en-US" dirty="0" smtClean="0">
-              <a:solidFill>
-                <a:schemeClr val="bg1">
-                  <a:lumMod val="50000"/>
-                </a:schemeClr>
-              </a:solidFill>
-            </a:endParaRPr>
+              <a:t>Release Date:  February 9, 2020</a:t>
+            </a:r>
           </a:p>
           <a:p>
             <a:r>
@@ -9643,19 +9636,13 @@
               <a:rPr lang="en-US" dirty="0" smtClean="0"/>
               <a:t>Character Art:  Skeletons, Zombies, Big Bosses</a:t>
             </a:r>
-            <a:endParaRPr lang="en-US" dirty="0" smtClean="0"/>
           </a:p>
           <a:p>
             <a:pPr lvl="1"/>
             <a:r>
               <a:rPr lang="en-US" dirty="0" smtClean="0"/>
-              <a:t>Environmental Art:  </a:t>
-            </a:r>
-            <a:r>
-              <a:rPr lang="en-US" dirty="0" smtClean="0"/>
-              <a:t>Sewers, Crypts, and Cave art</a:t>
-            </a:r>
-            <a:endParaRPr lang="en-US" dirty="0" smtClean="0"/>
+              <a:t>Environmental Art:  Sewers, Crypts, and Cave art</a:t>
+            </a:r>
           </a:p>
           <a:p>
             <a:pPr lvl="1"/>
@@ -9773,7 +9760,6 @@
               <a:rPr lang="en-US" dirty="0" smtClean="0"/>
               <a:t>Tiled!</a:t>
             </a:r>
-            <a:endParaRPr lang="en-US" dirty="0" smtClean="0"/>
           </a:p>
           <a:p>
             <a:pPr lvl="1"/>
